--- a/cyclistic_presentation.pptx
+++ b/cyclistic_presentation.pptx
@@ -265,7 +265,7 @@
   </p:defaultTextStyle>
   <p:extLst>
     <p:ext uri="{EFAFB233-063F-42B5-8137-9DF3F51BA10A}">
-      <p15:sldGuideLst xmlns="" xmlns:mc="http://schemas.openxmlformats.org/markup-compatibility/2006" xmlns:mv="urn:schemas-microsoft-com:mac:vml" xmlns:c="http://schemas.openxmlformats.org/drawingml/2006/chart" xmlns:dgm="http://schemas.openxmlformats.org/drawingml/2006/diagram" xmlns:o="urn:schemas-microsoft-com:office:office" xmlns:v="urn:schemas-microsoft-com:vml" xmlns:pvml="urn:schemas-microsoft-com:office:powerpoint" xmlns:com="http://schemas.openxmlformats.org/drawingml/2006/compatibility" xmlns:p14="http://schemas.microsoft.com/office/powerpoint/2010/main" xmlns:p15="http://schemas.microsoft.com/office/powerpoint/2012/main" xmlns:ahyp="http://schemas.microsoft.com/office/drawing/2018/hyperlinkcolor">
+      <p15:sldGuideLst xmlns:ahyp="http://schemas.microsoft.com/office/drawing/2018/hyperlinkcolor" xmlns:p15="http://schemas.microsoft.com/office/powerpoint/2012/main" xmlns:p14="http://schemas.microsoft.com/office/powerpoint/2010/main" xmlns:com="http://schemas.openxmlformats.org/drawingml/2006/compatibility" xmlns:pvml="urn:schemas-microsoft-com:office:powerpoint" xmlns:v="urn:schemas-microsoft-com:vml" xmlns:o="urn:schemas-microsoft-com:office:office" xmlns:dgm="http://schemas.openxmlformats.org/drawingml/2006/diagram" xmlns:c="http://schemas.openxmlformats.org/drawingml/2006/chart" xmlns:mv="urn:schemas-microsoft-com:mac:vml" xmlns:mc="http://schemas.openxmlformats.org/markup-compatibility/2006" xmlns="">
         <p15:guide id="1" orient="horz" pos="1620">
           <p15:clr>
             <a:srgbClr val="A4A3A4"/>
@@ -7208,15 +7208,7 @@
             </a:pPr>
             <a:r>
               <a:rPr lang="en" sz="4180" dirty="0" smtClean="0"/>
-              <a:t>Differences between </a:t>
-            </a:r>
-            <a:r>
-              <a:rPr lang="en" sz="4180" dirty="0" smtClean="0"/>
-              <a:t>members </a:t>
-            </a:r>
-            <a:r>
-              <a:rPr lang="en" sz="4180" dirty="0" smtClean="0"/>
-              <a:t>and casual riders for Cyclistic</a:t>
+              <a:t>Differences between members and casual riders for Cyclistic</a:t>
             </a:r>
             <a:endParaRPr sz="4180" dirty="0"/>
           </a:p>
@@ -8273,8 +8265,8 @@
         </p:nvSpPr>
         <p:spPr>
           <a:xfrm>
-            <a:off x="905550" y="1035139"/>
-            <a:ext cx="3634200" cy="3877954"/>
+            <a:off x="828817" y="779363"/>
+            <a:ext cx="3634200" cy="4370397"/>
           </a:xfrm>
           <a:prstGeom prst="rect">
             <a:avLst/>
@@ -8352,7 +8344,7 @@
               <a:buNone/>
             </a:pPr>
             <a:r>
-              <a:rPr lang="en-US" sz="1600" dirty="0" smtClean="0">
+              <a:rPr lang="en-US" dirty="0" smtClean="0">
                 <a:solidFill>
                   <a:srgbClr val="666666"/>
                 </a:solidFill>
@@ -8361,9 +8353,32 @@
                 <a:cs typeface="Roboto"/>
                 <a:sym typeface="Roboto"/>
               </a:rPr>
-              <a:t>(1). Annual promotion is likely successful based on the casual rider’s trend line of increasing percentages of riders.</a:t>
+              <a:t>(1). Annual promotion is likely successful based on the casual rider’s trend line of increasing percentages of riders</a:t>
             </a:r>
-            <a:endParaRPr sz="1600" dirty="0">
+            <a:r>
+              <a:rPr lang="en-US" dirty="0" smtClean="0">
+                <a:solidFill>
+                  <a:srgbClr val="666666"/>
+                </a:solidFill>
+                <a:latin typeface="Roboto"/>
+                <a:ea typeface="Roboto"/>
+                <a:cs typeface="Roboto"/>
+                <a:sym typeface="Roboto"/>
+              </a:rPr>
+              <a:t>.</a:t>
+            </a:r>
+          </a:p>
+          <a:p>
+            <a:pPr marL="0" lvl="0" indent="0" algn="l" rtl="0">
+              <a:spcBef>
+                <a:spcPts val="0"/>
+              </a:spcBef>
+              <a:spcAft>
+                <a:spcPts val="0"/>
+              </a:spcAft>
+              <a:buNone/>
+            </a:pPr>
+            <a:endParaRPr dirty="0">
               <a:solidFill>
                 <a:srgbClr val="666666"/>
               </a:solidFill>
@@ -8374,95 +8389,41 @@
             </a:endParaRPr>
           </a:p>
           <a:p>
-            <a:pPr marL="0" lvl="0" indent="0" algn="l" rtl="0">
-              <a:spcBef>
-                <a:spcPts val="0"/>
-              </a:spcBef>
-              <a:spcAft>
-                <a:spcPts val="0"/>
-              </a:spcAft>
-              <a:buNone/>
-            </a:pPr>
+            <a:pPr lvl="0"/>
             <a:r>
-              <a:rPr lang="en-US" sz="1600" dirty="0" smtClean="0">
-                <a:solidFill>
-                  <a:srgbClr val="666666"/>
-                </a:solidFill>
-                <a:latin typeface="Roboto"/>
-                <a:ea typeface="Roboto"/>
-                <a:cs typeface="Roboto"/>
-                <a:sym typeface="Roboto"/>
+              <a:rPr lang="en-US" dirty="0">
+                <a:latin typeface="Roboto" charset="0"/>
+                <a:ea typeface="Roboto" charset="0"/>
               </a:rPr>
-              <a:t>(2). Their geo-location background is similar to that of the members based on </a:t>
+              <a:t>(2). Their geo-location background is similar to that of the members based on their starting points of trips. There are there is no problem for the casual riders to use the bikes at the current stations</a:t>
             </a:r>
             <a:r>
-              <a:rPr lang="en-US" sz="1600" dirty="0">
-                <a:solidFill>
-                  <a:srgbClr val="666666"/>
-                </a:solidFill>
-                <a:latin typeface="Roboto"/>
-                <a:ea typeface="Roboto"/>
-                <a:cs typeface="Roboto"/>
-                <a:sym typeface="Roboto"/>
+              <a:rPr lang="en-US" dirty="0" smtClean="0">
+                <a:latin typeface="Roboto" charset="0"/>
+                <a:ea typeface="Roboto" charset="0"/>
               </a:rPr>
-              <a:t>t</a:t>
-            </a:r>
-            <a:r>
-              <a:rPr lang="en-US" sz="1600" dirty="0" smtClean="0">
-                <a:solidFill>
-                  <a:srgbClr val="666666"/>
-                </a:solidFill>
-                <a:latin typeface="Roboto"/>
-                <a:ea typeface="Roboto"/>
-                <a:cs typeface="Roboto"/>
-                <a:sym typeface="Roboto"/>
-              </a:rPr>
-              <a:t>heir starting points of trips.</a:t>
+              <a:t>.</a:t>
             </a:r>
           </a:p>
           <a:p>
-            <a:pPr marL="0" lvl="0" indent="0" algn="l" rtl="0">
-              <a:spcBef>
-                <a:spcPts val="0"/>
-              </a:spcBef>
-              <a:spcAft>
-                <a:spcPts val="0"/>
-              </a:spcAft>
-              <a:buNone/>
-            </a:pPr>
-            <a:r>
-              <a:rPr lang="en-US" sz="1600" dirty="0" smtClean="0">
-                <a:solidFill>
-                  <a:srgbClr val="666666"/>
-                </a:solidFill>
-                <a:latin typeface="Roboto"/>
-                <a:ea typeface="Roboto"/>
-                <a:cs typeface="Roboto"/>
-                <a:sym typeface="Roboto"/>
-              </a:rPr>
-              <a:t>(3). Their usage patterns are similar to those of the members by considering the ride lengths by days of the week.</a:t>
-            </a:r>
-            <a:endParaRPr sz="1600" dirty="0">
-              <a:solidFill>
-                <a:srgbClr val="666666"/>
-              </a:solidFill>
-              <a:latin typeface="Roboto"/>
-              <a:ea typeface="Roboto"/>
-              <a:cs typeface="Roboto"/>
-              <a:sym typeface="Roboto"/>
-            </a:endParaRPr>
+            <a:pPr lvl="0"/>
+            <a:endParaRPr lang="en-US" dirty="0" smtClean="0"/>
           </a:p>
           <a:p>
-            <a:pPr marL="0" lvl="0" indent="0" algn="l" rtl="0">
-              <a:spcBef>
-                <a:spcPts val="0"/>
-              </a:spcBef>
-              <a:spcAft>
-                <a:spcPts val="0"/>
-              </a:spcAft>
-              <a:buNone/>
-            </a:pPr>
-            <a:endParaRPr sz="1600" dirty="0">
+            <a:pPr lvl="0"/>
+            <a:r>
+              <a:rPr lang="en-US" dirty="0"/>
+              <a:t>(3). Their usage patterns are similar to those of the members by considering the ride lengths by days of the week. Their trip lengths are even longer, so they can save more if they </a:t>
+            </a:r>
+            <a:r>
+              <a:rPr lang="en-US" dirty="0" smtClean="0"/>
+              <a:t>subscribe </a:t>
+            </a:r>
+            <a:r>
+              <a:rPr lang="en-US" dirty="0"/>
+              <a:t>their annual membership.</a:t>
+            </a:r>
+            <a:endParaRPr dirty="0">
               <a:solidFill>
                 <a:srgbClr val="666666"/>
               </a:solidFill>

--- a/cyclistic_presentation.pptx
+++ b/cyclistic_presentation.pptx
@@ -10,8 +10,8 @@
   <p:sldIdLst>
     <p:sldId id="256" r:id="rId2"/>
     <p:sldId id="257" r:id="rId3"/>
-    <p:sldId id="258" r:id="rId4"/>
-    <p:sldId id="259" r:id="rId5"/>
+    <p:sldId id="259" r:id="rId4"/>
+    <p:sldId id="271" r:id="rId5"/>
     <p:sldId id="260" r:id="rId6"/>
     <p:sldId id="261" r:id="rId7"/>
     <p:sldId id="262" r:id="rId8"/>
@@ -265,7 +265,7 @@
   </p:defaultTextStyle>
   <p:extLst>
     <p:ext uri="{EFAFB233-063F-42B5-8137-9DF3F51BA10A}">
-      <p15:sldGuideLst xmlns:ahyp="http://schemas.microsoft.com/office/drawing/2018/hyperlinkcolor" xmlns:p15="http://schemas.microsoft.com/office/powerpoint/2012/main" xmlns:p14="http://schemas.microsoft.com/office/powerpoint/2010/main" xmlns:com="http://schemas.openxmlformats.org/drawingml/2006/compatibility" xmlns:pvml="urn:schemas-microsoft-com:office:powerpoint" xmlns:v="urn:schemas-microsoft-com:vml" xmlns:o="urn:schemas-microsoft-com:office:office" xmlns:dgm="http://schemas.openxmlformats.org/drawingml/2006/diagram" xmlns:c="http://schemas.openxmlformats.org/drawingml/2006/chart" xmlns:mv="urn:schemas-microsoft-com:mac:vml" xmlns:mc="http://schemas.openxmlformats.org/markup-compatibility/2006" xmlns="">
+      <p15:sldGuideLst xmlns="" xmlns:mc="http://schemas.openxmlformats.org/markup-compatibility/2006" xmlns:mv="urn:schemas-microsoft-com:mac:vml" xmlns:c="http://schemas.openxmlformats.org/drawingml/2006/chart" xmlns:dgm="http://schemas.openxmlformats.org/drawingml/2006/diagram" xmlns:o="urn:schemas-microsoft-com:office:office" xmlns:v="urn:schemas-microsoft-com:vml" xmlns:pvml="urn:schemas-microsoft-com:office:powerpoint" xmlns:com="http://schemas.openxmlformats.org/drawingml/2006/compatibility" xmlns:p14="http://schemas.microsoft.com/office/powerpoint/2010/main" xmlns:p15="http://schemas.microsoft.com/office/powerpoint/2012/main" xmlns:ahyp="http://schemas.microsoft.com/office/drawing/2018/hyperlinkcolor">
         <p15:guide id="1" orient="horz" pos="1620">
           <p15:clr>
             <a:srgbClr val="A4A3A4"/>
@@ -1466,7 +1466,7 @@
   <p:cSld>
     <p:spTree>
       <p:nvGrpSpPr>
-        <p:cNvPr id="1" name="Shape 67"/>
+        <p:cNvPr id="1" name="Shape 74"/>
         <p:cNvGrpSpPr/>
         <p:nvPr/>
       </p:nvGrpSpPr>
@@ -1480,7 +1480,7 @@
       </p:grpSpPr>
       <p:sp>
         <p:nvSpPr>
-          <p:cNvPr id="68" name="Google Shape;68;gbb551ab6de_0_10:notes"/>
+          <p:cNvPr id="75" name="Google Shape;75;gbb551ab6de_0_20:notes"/>
           <p:cNvSpPr>
             <a:spLocks noGrp="1" noRot="1" noChangeAspect="1"/>
           </p:cNvSpPr>
@@ -1521,7 +1521,7 @@
       </p:sp>
       <p:sp>
         <p:nvSpPr>
-          <p:cNvPr id="69" name="Google Shape;69;gbb551ab6de_0_10:notes"/>
+          <p:cNvPr id="76" name="Google Shape;76;gbb551ab6de_0_20:notes"/>
           <p:cNvSpPr txBox="1">
             <a:spLocks noGrp="1"/>
           </p:cNvSpPr>
@@ -1594,7 +1594,7 @@
         </p:nvSpPr>
         <p:spPr>
           <a:xfrm>
-            <a:off x="381300" y="685800"/>
+            <a:off x="381000" y="685800"/>
             <a:ext cx="6096000" cy="3429000"/>
           </a:xfrm>
           <a:custGeom>
@@ -8353,19 +8353,7 @@
                 <a:cs typeface="Roboto"/>
                 <a:sym typeface="Roboto"/>
               </a:rPr>
-              <a:t>(1). Annual promotion is likely successful based on the casual rider’s trend line of increasing percentages of riders</a:t>
-            </a:r>
-            <a:r>
-              <a:rPr lang="en-US" dirty="0" smtClean="0">
-                <a:solidFill>
-                  <a:srgbClr val="666666"/>
-                </a:solidFill>
-                <a:latin typeface="Roboto"/>
-                <a:ea typeface="Roboto"/>
-                <a:cs typeface="Roboto"/>
-                <a:sym typeface="Roboto"/>
-              </a:rPr>
-              <a:t>.</a:t>
+              <a:t>(1). Annual promotion is likely successful based on the casual rider’s trend line of increasing percentages of riders.</a:t>
             </a:r>
           </a:p>
           <a:p>
@@ -9137,7 +9125,7 @@
   <p:cSld>
     <p:spTree>
       <p:nvGrpSpPr>
-        <p:cNvPr id="1" name="Shape 70"/>
+        <p:cNvPr id="1" name="Shape 77"/>
         <p:cNvGrpSpPr/>
         <p:nvPr/>
       </p:nvGrpSpPr>
@@ -9151,7 +9139,7 @@
       </p:grpSpPr>
       <p:sp>
         <p:nvSpPr>
-          <p:cNvPr id="71" name="Google Shape;71;p15"/>
+          <p:cNvPr id="78" name="Google Shape;78;p16"/>
           <p:cNvSpPr txBox="1">
             <a:spLocks noGrp="1"/>
           </p:cNvSpPr>
@@ -9193,13 +9181,13 @@
       </p:sp>
       <p:sp>
         <p:nvSpPr>
-          <p:cNvPr id="72" name="Google Shape;72;p15"/>
+          <p:cNvPr id="79" name="Google Shape;79;p16"/>
           <p:cNvSpPr txBox="1"/>
           <p:nvPr/>
         </p:nvSpPr>
         <p:spPr>
           <a:xfrm>
-            <a:off x="3167725" y="2356800"/>
+            <a:off x="3052626" y="2352205"/>
             <a:ext cx="5304000" cy="677078"/>
           </a:xfrm>
           <a:prstGeom prst="rect">
@@ -9259,7 +9247,7 @@
                 <a:cs typeface="Roboto"/>
                 <a:sym typeface="Roboto"/>
               </a:rPr>
-              <a:t>casaul riders to register for annual membership</a:t>
+              <a:t>differences in using bikes among causual riders and members.</a:t>
             </a:r>
             <a:endParaRPr sz="1600" dirty="0">
               <a:solidFill>
@@ -9275,7 +9263,7 @@
       </p:sp>
       <p:sp>
         <p:nvSpPr>
-          <p:cNvPr id="73" name="Google Shape;73;p15"/>
+          <p:cNvPr id="80" name="Google Shape;80;p16"/>
           <p:cNvSpPr txBox="1"/>
           <p:nvPr/>
         </p:nvSpPr>
@@ -9310,7 +9298,7 @@
             <a:r>
               <a:rPr lang="en" sz="1600" u="sng" dirty="0">
                 <a:solidFill>
-                  <a:srgbClr val="666666"/>
+                  <a:srgbClr val="CCCCCC"/>
                 </a:solidFill>
                 <a:latin typeface="Roboto"/>
                 <a:ea typeface="Roboto"/>
@@ -9322,7 +9310,7 @@
             <a:r>
               <a:rPr lang="en" sz="1600" dirty="0">
                 <a:solidFill>
-                  <a:srgbClr val="666666"/>
+                  <a:srgbClr val="CCCCCC"/>
                 </a:solidFill>
                 <a:latin typeface="Roboto"/>
                 <a:ea typeface="Roboto"/>
@@ -9334,18 +9322,42 @@
             <a:r>
               <a:rPr lang="en" sz="1600" dirty="0" smtClean="0">
                 <a:solidFill>
-                  <a:srgbClr val="666666"/>
+                  <a:srgbClr val="CCCCCC"/>
                 </a:solidFill>
                 <a:latin typeface="Roboto"/>
                 <a:ea typeface="Roboto"/>
                 <a:cs typeface="Roboto"/>
                 <a:sym typeface="Roboto"/>
               </a:rPr>
-              <a:t>casual riders need to know</a:t>
+              <a:t>Cyclistic</a:t>
+            </a:r>
+            <a:r>
+              <a:rPr lang="en" sz="1600" dirty="0" smtClean="0">
+                <a:solidFill>
+                  <a:srgbClr val="CCCCCC"/>
+                </a:solidFill>
+                <a:latin typeface="Roboto"/>
+                <a:ea typeface="Roboto"/>
+                <a:cs typeface="Roboto"/>
+                <a:sym typeface="Roboto"/>
+              </a:rPr>
+              <a:t> </a:t>
+            </a:r>
+            <a:r>
+              <a:rPr lang="en" sz="1600" dirty="0">
+                <a:solidFill>
+                  <a:srgbClr val="CCCCCC"/>
+                </a:solidFill>
+                <a:latin typeface="Roboto"/>
+                <a:ea typeface="Roboto"/>
+                <a:cs typeface="Roboto"/>
+                <a:sym typeface="Roboto"/>
+              </a:rPr>
+              <a:t>want to know about</a:t>
             </a:r>
             <a:endParaRPr sz="1600" dirty="0">
               <a:solidFill>
-                <a:srgbClr val="666666"/>
+                <a:srgbClr val="CCCCCC"/>
               </a:solidFill>
               <a:latin typeface="Roboto"/>
               <a:ea typeface="Roboto"/>
@@ -9360,198 +9372,6 @@
   <p:clrMapOvr>
     <a:masterClrMapping/>
   </p:clrMapOvr>
-  <p:timing>
-    <p:tnLst>
-      <p:par>
-        <p:cTn id="1" dur="indefinite" restart="never" nodeType="tmRoot">
-          <p:childTnLst>
-            <p:seq concurrent="1" nextAc="seek">
-              <p:cTn id="2" dur="indefinite" nodeType="mainSeq">
-                <p:childTnLst>
-                  <p:par>
-                    <p:cTn id="3" fill="hold">
-                      <p:stCondLst>
-                        <p:cond delay="indefinite"/>
-                        <p:cond evt="onBegin" delay="0">
-                          <p:tn val="2"/>
-                        </p:cond>
-                      </p:stCondLst>
-                      <p:childTnLst>
-                        <p:par>
-                          <p:cTn id="4" fill="hold">
-                            <p:stCondLst>
-                              <p:cond delay="0"/>
-                            </p:stCondLst>
-                            <p:childTnLst>
-                              <p:par>
-                                <p:cTn id="5" presetID="10" presetClass="entr" presetSubtype="0" fill="hold" nodeType="withEffect">
-                                  <p:stCondLst>
-                                    <p:cond delay="0"/>
-                                  </p:stCondLst>
-                                  <p:childTnLst>
-                                    <p:set>
-                                      <p:cBhvr>
-                                        <p:cTn id="6" dur="1" fill="hold">
-                                          <p:stCondLst>
-                                            <p:cond delay="0"/>
-                                          </p:stCondLst>
-                                        </p:cTn>
-                                        <p:tgtEl>
-                                          <p:spTgt spid="71"/>
-                                        </p:tgtEl>
-                                        <p:attrNameLst>
-                                          <p:attrName>style.visibility</p:attrName>
-                                        </p:attrNameLst>
-                                      </p:cBhvr>
-                                      <p:to>
-                                        <p:strVal val="visible"/>
-                                      </p:to>
-                                    </p:set>
-                                    <p:animEffect transition="in" filter="fade">
-                                      <p:cBhvr>
-                                        <p:cTn id="7" dur="1000"/>
-                                        <p:tgtEl>
-                                          <p:spTgt spid="71"/>
-                                        </p:tgtEl>
-                                      </p:cBhvr>
-                                    </p:animEffect>
-                                  </p:childTnLst>
-                                </p:cTn>
-                              </p:par>
-                            </p:childTnLst>
-                          </p:cTn>
-                        </p:par>
-                      </p:childTnLst>
-                    </p:cTn>
-                  </p:par>
-                  <p:par>
-                    <p:cTn id="8" fill="hold">
-                      <p:stCondLst>
-                        <p:cond delay="indefinite"/>
-                      </p:stCondLst>
-                      <p:childTnLst>
-                        <p:par>
-                          <p:cTn id="9" fill="hold">
-                            <p:stCondLst>
-                              <p:cond delay="0"/>
-                            </p:stCondLst>
-                            <p:childTnLst>
-                              <p:par>
-                                <p:cTn id="10" presetID="10" presetClass="entr" presetSubtype="0" fill="hold" nodeType="clickEffect">
-                                  <p:stCondLst>
-                                    <p:cond delay="0"/>
-                                  </p:stCondLst>
-                                  <p:childTnLst>
-                                    <p:set>
-                                      <p:cBhvr>
-                                        <p:cTn id="11" dur="1" fill="hold">
-                                          <p:stCondLst>
-                                            <p:cond delay="0"/>
-                                          </p:stCondLst>
-                                        </p:cTn>
-                                        <p:tgtEl>
-                                          <p:spTgt spid="72"/>
-                                        </p:tgtEl>
-                                        <p:attrNameLst>
-                                          <p:attrName>style.visibility</p:attrName>
-                                        </p:attrNameLst>
-                                      </p:cBhvr>
-                                      <p:to>
-                                        <p:strVal val="visible"/>
-                                      </p:to>
-                                    </p:set>
-                                    <p:animEffect transition="in" filter="fade">
-                                      <p:cBhvr>
-                                        <p:cTn id="12" dur="1000"/>
-                                        <p:tgtEl>
-                                          <p:spTgt spid="72"/>
-                                        </p:tgtEl>
-                                      </p:cBhvr>
-                                    </p:animEffect>
-                                  </p:childTnLst>
-                                </p:cTn>
-                              </p:par>
-                            </p:childTnLst>
-                          </p:cTn>
-                        </p:par>
-                      </p:childTnLst>
-                    </p:cTn>
-                  </p:par>
-                  <p:par>
-                    <p:cTn id="13" fill="hold">
-                      <p:stCondLst>
-                        <p:cond delay="indefinite"/>
-                      </p:stCondLst>
-                      <p:childTnLst>
-                        <p:par>
-                          <p:cTn id="14" fill="hold">
-                            <p:stCondLst>
-                              <p:cond delay="0"/>
-                            </p:stCondLst>
-                            <p:childTnLst>
-                              <p:par>
-                                <p:cTn id="15" presetID="10" presetClass="entr" presetSubtype="0" fill="hold" nodeType="clickEffect">
-                                  <p:stCondLst>
-                                    <p:cond delay="0"/>
-                                  </p:stCondLst>
-                                  <p:childTnLst>
-                                    <p:set>
-                                      <p:cBhvr>
-                                        <p:cTn id="16" dur="1" fill="hold">
-                                          <p:stCondLst>
-                                            <p:cond delay="0"/>
-                                          </p:stCondLst>
-                                        </p:cTn>
-                                        <p:tgtEl>
-                                          <p:spTgt spid="73"/>
-                                        </p:tgtEl>
-                                        <p:attrNameLst>
-                                          <p:attrName>style.visibility</p:attrName>
-                                        </p:attrNameLst>
-                                      </p:cBhvr>
-                                      <p:to>
-                                        <p:strVal val="visible"/>
-                                      </p:to>
-                                    </p:set>
-                                    <p:animEffect transition="in" filter="fade">
-                                      <p:cBhvr>
-                                        <p:cTn id="17" dur="1000"/>
-                                        <p:tgtEl>
-                                          <p:spTgt spid="73"/>
-                                        </p:tgtEl>
-                                      </p:cBhvr>
-                                    </p:animEffect>
-                                  </p:childTnLst>
-                                </p:cTn>
-                              </p:par>
-                            </p:childTnLst>
-                          </p:cTn>
-                        </p:par>
-                      </p:childTnLst>
-                    </p:cTn>
-                  </p:par>
-                </p:childTnLst>
-              </p:cTn>
-              <p:prevCondLst>
-                <p:cond evt="onPrev" delay="0">
-                  <p:tgtEl>
-                    <p:sldTgt/>
-                  </p:tgtEl>
-                </p:cond>
-              </p:prevCondLst>
-              <p:nextCondLst>
-                <p:cond evt="onNext" delay="0">
-                  <p:tgtEl>
-                    <p:sldTgt/>
-                  </p:tgtEl>
-                </p:cond>
-              </p:nextCondLst>
-            </p:seq>
-          </p:childTnLst>
-        </p:cTn>
-      </p:par>
-    </p:tnLst>
-  </p:timing>
 </p:sld>
 </file>
 
@@ -9622,8 +9442,8 @@
         </p:nvSpPr>
         <p:spPr>
           <a:xfrm>
-            <a:off x="3167725" y="2356800"/>
-            <a:ext cx="5304000" cy="431100"/>
+            <a:off x="3052626" y="2352205"/>
+            <a:ext cx="5304000" cy="677078"/>
           </a:xfrm>
           <a:prstGeom prst="rect">
             <a:avLst/>
@@ -9649,7 +9469,7 @@
               <a:buNone/>
             </a:pPr>
             <a:r>
-              <a:rPr lang="en" sz="1600" u="sng">
+              <a:rPr lang="en" sz="1600" u="sng" dirty="0">
                 <a:solidFill>
                   <a:srgbClr val="666666"/>
                 </a:solidFill>
@@ -9661,7 +9481,7 @@
               <a:t>WHY</a:t>
             </a:r>
             <a:r>
-              <a:rPr lang="en" sz="1600">
+              <a:rPr lang="en" sz="1600" dirty="0">
                 <a:solidFill>
                   <a:srgbClr val="666666"/>
                 </a:solidFill>
@@ -9670,9 +9490,21 @@
                 <a:cs typeface="Roboto"/>
                 <a:sym typeface="Roboto"/>
               </a:rPr>
-              <a:t>: Quantity impact on student test scores</a:t>
+              <a:t>: Quantity impact on </a:t>
             </a:r>
-            <a:endParaRPr sz="1600">
+            <a:r>
+              <a:rPr lang="en" sz="1600" dirty="0" smtClean="0">
+                <a:solidFill>
+                  <a:srgbClr val="666666"/>
+                </a:solidFill>
+                <a:latin typeface="Roboto"/>
+                <a:ea typeface="Roboto"/>
+                <a:cs typeface="Roboto"/>
+                <a:sym typeface="Roboto"/>
+              </a:rPr>
+              <a:t>differences in using bikes among causual riders and members.</a:t>
+            </a:r>
+            <a:endParaRPr sz="1600" dirty="0">
               <a:solidFill>
                 <a:srgbClr val="666666"/>
               </a:solidFill>
@@ -9692,7 +9524,7 @@
         </p:nvSpPr>
         <p:spPr>
           <a:xfrm>
-            <a:off x="3167725" y="2858925"/>
+            <a:off x="3167725" y="2870480"/>
             <a:ext cx="5304000" cy="431100"/>
           </a:xfrm>
           <a:prstGeom prst="rect">
@@ -9719,9 +9551,9 @@
               <a:buNone/>
             </a:pPr>
             <a:r>
-              <a:rPr lang="en" sz="1600" u="sng">
-                <a:solidFill>
-                  <a:srgbClr val="CCCCCC"/>
+              <a:rPr lang="en" sz="1600" u="sng" dirty="0">
+                <a:solidFill>
+                  <a:schemeClr val="bg2"/>
                 </a:solidFill>
                 <a:latin typeface="Roboto"/>
                 <a:ea typeface="Roboto"/>
@@ -9731,20 +9563,56 @@
               <a:t>HOW</a:t>
             </a:r>
             <a:r>
-              <a:rPr lang="en" sz="1600">
-                <a:solidFill>
-                  <a:srgbClr val="CCCCCC"/>
+              <a:rPr lang="en" sz="1600" dirty="0">
+                <a:solidFill>
+                  <a:schemeClr val="bg2"/>
                 </a:solidFill>
                 <a:latin typeface="Roboto"/>
                 <a:ea typeface="Roboto"/>
                 <a:cs typeface="Roboto"/>
                 <a:sym typeface="Roboto"/>
               </a:rPr>
-              <a:t>: Identify what parents want to know about</a:t>
+              <a:t>: Identify what </a:t>
             </a:r>
-            <a:endParaRPr sz="1600">
+            <a:r>
+              <a:rPr lang="en" sz="1600" dirty="0" smtClean="0">
+                <a:solidFill>
+                  <a:schemeClr val="bg2"/>
+                </a:solidFill>
+                <a:latin typeface="Roboto"/>
+                <a:ea typeface="Roboto"/>
+                <a:cs typeface="Roboto"/>
+                <a:sym typeface="Roboto"/>
+              </a:rPr>
+              <a:t>Cyclistic</a:t>
+            </a:r>
+            <a:r>
+              <a:rPr lang="en" sz="1600" dirty="0" smtClean="0">
+                <a:solidFill>
+                  <a:schemeClr val="bg2"/>
+                </a:solidFill>
+                <a:latin typeface="Roboto"/>
+                <a:ea typeface="Roboto"/>
+                <a:cs typeface="Roboto"/>
+                <a:sym typeface="Roboto"/>
+              </a:rPr>
+              <a:t> </a:t>
+            </a:r>
+            <a:r>
+              <a:rPr lang="en" sz="1600" dirty="0">
+                <a:solidFill>
+                  <a:schemeClr val="bg2"/>
+                </a:solidFill>
+                <a:latin typeface="Roboto"/>
+                <a:ea typeface="Roboto"/>
+                <a:cs typeface="Roboto"/>
+                <a:sym typeface="Roboto"/>
+              </a:rPr>
+              <a:t>want to know about</a:t>
+            </a:r>
+            <a:endParaRPr sz="1600" dirty="0">
               <a:solidFill>
-                <a:srgbClr val="CCCCCC"/>
+                <a:schemeClr val="bg2"/>
               </a:solidFill>
               <a:latin typeface="Roboto"/>
               <a:ea typeface="Roboto"/>
@@ -9755,6 +9623,11 @@
         </p:txBody>
       </p:sp>
     </p:spTree>
+    <p:extLst>
+      <p:ext uri="{BB962C8B-B14F-4D97-AF65-F5344CB8AC3E}">
+        <p14:creationId xmlns:p14="http://schemas.microsoft.com/office/powerpoint/2010/main" val="3815272982"/>
+      </p:ext>
+    </p:extLst>
   </p:cSld>
   <p:clrMapOvr>
     <a:masterClrMapping/>
